--- a/Normalização_FNBC_4FN_5FN_2020.ppt.pptx
+++ b/Normalização_FNBC_4FN_5FN_2020.ppt.pptx
@@ -131,6 +131,11 @@
       </a:defRPr>
     </a:lvl9pPr>
   </p:defaultTextStyle>
+  <p:extLst>
+    <p:ext uri="{EFAFB233-063F-42B5-8137-9DF3F51BA10A}">
+      <p15:sldGuideLst xmlns:p15="http://schemas.microsoft.com/office/powerpoint/2012/main"/>
+    </p:ext>
+  </p:extLst>
 </p:presentation>
 </file>
 
@@ -5768,7 +5773,7 @@
           </a:bodyPr>
           <a:lstStyle/>
           <a:p>
-            <a:pPr algn="l"/>
+            <a:pPr algn="ctr"/>
             <a:r>
               <a:rPr lang="pt-PT" sz="4000" dirty="0" smtClean="0"/>
               <a:t>Normalização</a:t>
@@ -5777,10 +5782,10 @@
               <a:rPr lang="pt-PT" sz="4000" dirty="0" smtClean="0"/>
             </a:br>
             <a:r>
-              <a:rPr lang="pt-PT" sz="4000" dirty="0" smtClean="0"/>
+              <a:rPr lang="pt-PT" sz="4000" spc="0" dirty="0" smtClean="0"/>
               <a:t>FNBC, 4FN, 5FN</a:t>
             </a:r>
-            <a:endParaRPr lang="it-IT" sz="4000" dirty="0"/>
+            <a:endParaRPr lang="it-IT" sz="4000" spc="0" dirty="0"/>
           </a:p>
         </p:txBody>
       </p:sp>
@@ -5804,6 +5809,10 @@
           <a:bodyPr/>
           <a:lstStyle/>
           <a:p>
+            <a:r>
+              <a:rPr lang="pt-PT" dirty="0" smtClean="0"/>
+              <a:t>Curso de Base de dados</a:t>
+            </a:r>
             <a:endParaRPr lang="it-IT" dirty="0"/>
           </a:p>
         </p:txBody>
@@ -6127,7 +6136,6 @@
               <a:rPr lang="pt-BR" dirty="0"/>
               <a:t>se :</a:t>
             </a:r>
-            <a:endParaRPr lang="pt-BR" dirty="0"/>
           </a:p>
           <a:p>
             <a:pPr lvl="1" fontAlgn="base"/>
@@ -6158,7 +6166,6 @@
               <a:rPr lang="pt-BR" dirty="0"/>
               <a:t>Exemplo:</a:t>
             </a:r>
-            <a:endParaRPr lang="pt-BR" dirty="0"/>
           </a:p>
           <a:p>
             <a:pPr fontAlgn="base"/>
@@ -6174,7 +6181,6 @@
               <a:rPr lang="pt-BR" dirty="0"/>
               <a:t>nas diferentes zonas.</a:t>
             </a:r>
-            <a:endParaRPr lang="pt-BR" dirty="0"/>
           </a:p>
           <a:p>
             <a:pPr lvl="1" fontAlgn="base"/>
@@ -6296,7 +6302,6 @@
               <a:rPr lang="pt-BR" sz="1800" dirty="0"/>
               <a:t>Suponha que um determinado “agente” passa a representar um novo “produto”.</a:t>
             </a:r>
-            <a:endParaRPr lang="pt-BR" sz="1800" dirty="0"/>
           </a:p>
           <a:p>
             <a:pPr marL="0" indent="0">
@@ -6328,7 +6333,6 @@
               <a:rPr lang="pt-BR" sz="1800" dirty="0"/>
               <a:t>as dependências existentes, temos que:</a:t>
             </a:r>
-            <a:endParaRPr lang="pt-BR" sz="1800" dirty="0"/>
           </a:p>
           <a:p>
             <a:pPr fontAlgn="base"/>
@@ -6738,7 +6742,6 @@
               <a:rPr lang="it-IT" dirty="0"/>
               <a:t>)</a:t>
             </a:r>
-            <a:endParaRPr lang="it-IT" dirty="0"/>
           </a:p>
         </p:txBody>
       </p:sp>
@@ -6764,12 +6767,12 @@
               <a:t>Esta regra também aplica-se apenas a </a:t>
             </a:r>
             <a:r>
-              <a:rPr lang="pt-PT" dirty="0" err="1"/>
-              <a:t>tabels</a:t>
+              <a:rPr lang="pt-PT" dirty="0" smtClean="0"/>
+              <a:t>tabelas </a:t>
             </a:r>
             <a:r>
               <a:rPr lang="pt-PT" dirty="0"/>
-              <a:t> que representam relacionamentos ternários, sem atributos  não-chave</a:t>
+              <a:t>que representam relacionamentos ternários, sem atributos  não-chave</a:t>
             </a:r>
             <a:endParaRPr lang="it-IT" dirty="0"/>
           </a:p>
@@ -6858,7 +6861,6 @@
               <a:rPr lang="it-IT" dirty="0"/>
               <a:t>)</a:t>
             </a:r>
-            <a:endParaRPr lang="it-IT" dirty="0"/>
           </a:p>
         </p:txBody>
       </p:sp>
@@ -6962,7 +6964,6 @@
               <a:rPr lang="it-IT" dirty="0"/>
               <a:t>)</a:t>
             </a:r>
-            <a:endParaRPr lang="it-IT" dirty="0"/>
           </a:p>
         </p:txBody>
       </p:sp>
@@ -7009,7 +7010,15 @@
           <a:p>
             <a:r>
               <a:rPr lang="pt-PT" dirty="0"/>
-              <a:t>A premissa seria: se A representa a empresa B, A é especialista na venda do produto C e B produz o produto C, então é verdade que a vende o produto C para a empresa B.</a:t>
+              <a:t>A premissa seria: se A representa a empresa B, A é especialista na venda do produto C e B produz o produto C, então é verdade que </a:t>
+            </a:r>
+            <a:r>
+              <a:rPr lang="pt-PT" dirty="0" smtClean="0"/>
+              <a:t>A </a:t>
+            </a:r>
+            <a:r>
+              <a:rPr lang="pt-PT" dirty="0"/>
+              <a:t>vende o produto C para a empresa B.</a:t>
             </a:r>
             <a:endParaRPr lang="it-IT" dirty="0"/>
           </a:p>
@@ -7085,7 +7094,6 @@
               <a:rPr lang="it-IT" dirty="0"/>
               <a:t>)</a:t>
             </a:r>
-            <a:endParaRPr lang="it-IT" dirty="0"/>
           </a:p>
         </p:txBody>
       </p:sp>
@@ -7218,7 +7226,6 @@
               <a:rPr lang="it-IT" dirty="0"/>
               <a:t>)</a:t>
             </a:r>
-            <a:endParaRPr lang="it-IT" dirty="0"/>
           </a:p>
         </p:txBody>
       </p:sp>
@@ -7245,7 +7252,6 @@
               <a:rPr lang="it-IT" dirty="0"/>
               <a:t>:</a:t>
             </a:r>
-            <a:endParaRPr lang="it-IT" dirty="0"/>
           </a:p>
           <a:p>
             <a:pPr marL="0" indent="0">
@@ -7628,7 +7634,6 @@
               <a:rPr lang="pt-BR" sz="2400" dirty="0"/>
               <a:t>Esta relação está na 5ª forma normal ?</a:t>
             </a:r>
-            <a:endParaRPr lang="pt-BR" sz="2400" dirty="0"/>
           </a:p>
           <a:p>
             <a:r>
@@ -7710,9 +7715,11 @@
               <a:rPr lang="pt-BR" dirty="0"/>
               <a:t>A 3ª forma normal é aquela que, na maioria dos casos, termina o processo de normalização. Em casos bastante específicos ainda transporta algumas anomalias, resolvidas pela Forma Normal de Boyce-Codd.</a:t>
             </a:r>
-            <a:endParaRPr lang="pt-BR" dirty="0"/>
-          </a:p>
-          <a:p>
+          </a:p>
+          <a:p>
+            <a:pPr marL="0" indent="0">
+              <a:buNone/>
+            </a:pPr>
             <a:r>
               <a:rPr lang="pt-BR" dirty="0"/>
               <a:t/>
@@ -7781,7 +7788,6 @@
               <a:rPr lang="it-IT" dirty="0"/>
               <a:t>)</a:t>
             </a:r>
-            <a:endParaRPr lang="it-IT" dirty="0"/>
           </a:p>
         </p:txBody>
       </p:sp>
@@ -8202,7 +8208,6 @@
               <a:rPr lang="pt-BR" sz="2400" dirty="0"/>
               <a:t>Aparentemente, não existem dependências multivalor.</a:t>
             </a:r>
-            <a:endParaRPr lang="pt-BR" sz="2400" dirty="0"/>
           </a:p>
           <a:p>
             <a:pPr marL="800100" lvl="1" indent="-342900" fontAlgn="base">
@@ -8292,7 +8297,6 @@
               <a:rPr lang="it-IT" dirty="0"/>
               <a:t>)</a:t>
             </a:r>
-            <a:endParaRPr lang="it-IT" dirty="0"/>
           </a:p>
         </p:txBody>
       </p:sp>
@@ -8781,7 +8785,6 @@
               <a:rPr lang="it-IT" dirty="0"/>
               <a:t>)</a:t>
             </a:r>
-            <a:endParaRPr lang="it-IT" dirty="0"/>
           </a:p>
         </p:txBody>
       </p:sp>
@@ -9084,7 +9087,6 @@
               <a:rPr lang="pt-BR" sz="2400" dirty="0"/>
               <a:t>de normalização típico de bases de dados.</a:t>
             </a:r>
-            <a:endParaRPr lang="pt-BR" sz="2400" dirty="0"/>
           </a:p>
           <a:p>
             <a:r>
@@ -9738,9 +9740,28 @@
             </a:pPr>
             <a:r>
               <a:rPr lang="pt-BR" dirty="0"/>
-              <a:t>Foi proposta como uma forma mais simples de 3FN, mas é considerada mais rígida que a 3FN, isto é, toda relação na BCNF está na 3FN, porém uma relação na 3FN não está necessariamente na BCNF. </a:t>
-            </a:r>
-            <a:endParaRPr lang="pt-BR" dirty="0"/>
+              <a:t>Foi proposta como uma forma mais simples de 3FN, mas é considerada mais rígida que a 3FN, isto é, toda relação na </a:t>
+            </a:r>
+            <a:r>
+              <a:rPr lang="pt-BR" dirty="0" smtClean="0"/>
+              <a:t>FN</a:t>
+            </a:r>
+            <a:r>
+              <a:rPr lang="pt-BR" dirty="0"/>
+              <a:t>BC </a:t>
+            </a:r>
+            <a:r>
+              <a:rPr lang="pt-BR" dirty="0"/>
+              <a:t>está na 3FN, porém uma relação na 3FN não está necessariamente na </a:t>
+            </a:r>
+            <a:r>
+              <a:rPr lang="pt-BR" dirty="0"/>
+              <a:t>FNBC.</a:t>
+            </a:r>
+            <a:r>
+              <a:rPr lang="pt-BR" dirty="0"/>
+              <a:t> </a:t>
+            </a:r>
           </a:p>
           <a:p>
             <a:pPr marL="0" indent="0">
@@ -9754,7 +9775,6 @@
               <a:rPr lang="pt-BR" dirty="0"/>
               <a:t>3FN não trata satisfatoriamente casos onde uma relação tem mais de uma chave candidata, estas chaves são compostas e possuem atributos em comum.</a:t>
             </a:r>
-            <a:endParaRPr lang="pt-BR" dirty="0"/>
           </a:p>
           <a:p>
             <a:pPr marL="0" indent="0">
@@ -9771,7 +9791,6 @@
               <a:rPr lang="pt-BR" dirty="0"/>
               <a:t>Por definição, uma relação está na FNBC se:</a:t>
             </a:r>
-            <a:endParaRPr lang="pt-BR" dirty="0"/>
           </a:p>
           <a:p>
             <a:pPr lvl="1" fontAlgn="base"/>
@@ -9800,9 +9819,16 @@
             </a:br>
             <a:r>
               <a:rPr lang="pt-BR" dirty="0"/>
-              <a:t>Ou seja uma relação está em BCNF se todo determinante for uma chave candidata.</a:t>
-            </a:r>
-            <a:endParaRPr lang="pt-BR" dirty="0"/>
+              <a:t>Ou seja uma relação está em </a:t>
+            </a:r>
+            <a:r>
+              <a:rPr lang="pt-BR" dirty="0"/>
+              <a:t>FNBC </a:t>
+            </a:r>
+            <a:r>
+              <a:rPr lang="pt-BR" dirty="0"/>
+              <a:t>se todo determinante for uma chave candidata.</a:t>
+            </a:r>
           </a:p>
           <a:p>
             <a:r>
@@ -9910,7 +9936,6 @@
               <a:rPr lang="pt-BR" dirty="0"/>
               <a:t>Exemplo 1:</a:t>
             </a:r>
-            <a:endParaRPr lang="pt-BR" dirty="0"/>
           </a:p>
           <a:p>
             <a:pPr marL="0" indent="0" fontAlgn="base">
@@ -9918,7 +9943,7 @@
             </a:pPr>
             <a:r>
               <a:rPr lang="pt-BR" dirty="0"/>
-              <a:t>Lecciona (CodAluno, CodDisciplina, CodDocente)</a:t>
+              <a:t>Lecciona (numero_aluno, codigo_disciplina, nif_docente)</a:t>
             </a:r>
           </a:p>
           <a:p>
@@ -9936,7 +9961,6 @@
               <a:rPr lang="pt-BR" dirty="0"/>
               <a:t>Esta  relação serve para registar os alunos das turmas práticas das disciplinas de uma Universidade. Nesta Universidade cada disciplina pode ser leccionada por múltiplos docentes. No entanto cada docente só pode leccionar uma disciplina.</a:t>
             </a:r>
-            <a:endParaRPr lang="pt-BR" dirty="0"/>
           </a:p>
           <a:p>
             <a:pPr marL="0" indent="0">
@@ -10307,7 +10331,6 @@
               <a:rPr lang="pt-BR" sz="3600" dirty="0"/>
               <a:t>Exemplo 1:</a:t>
             </a:r>
-            <a:endParaRPr lang="pt-BR" sz="3600" dirty="0"/>
           </a:p>
           <a:p>
             <a:pPr marL="0" indent="0" fontAlgn="base">
@@ -10650,7 +10673,6 @@
               <a:rPr lang="pt-BR" sz="2400" dirty="0"/>
               <a:t>A relação satisfaz as premissas relativas às três primeiras formas normais…</a:t>
             </a:r>
-            <a:endParaRPr lang="pt-BR" sz="2400" dirty="0"/>
           </a:p>
           <a:p>
             <a:pPr marL="285750" indent="-285750" fontAlgn="base">
@@ -10800,7 +10822,6 @@
               <a:rPr lang="pt-BR" sz="8600" dirty="0"/>
               <a:t>” que aparece na tabela,  não é chave candidata, no entanto é um determinante.</a:t>
             </a:r>
-            <a:endParaRPr lang="pt-BR" sz="8600" dirty="0"/>
           </a:p>
           <a:p>
             <a:pPr marL="0" indent="0">
@@ -10841,7 +10862,6 @@
               <a:rPr lang="pt-BR" sz="8600" dirty="0"/>
               <a:t>.</a:t>
             </a:r>
-            <a:endParaRPr lang="pt-BR" sz="8600" dirty="0"/>
           </a:p>
           <a:p>
             <a:pPr marL="0" indent="0">
@@ -11226,7 +11246,6 @@
               <a:rPr lang="pt-BR" dirty="0"/>
               <a:t>A passagem da relação anterior para a FNBC exigiria a sua decomposição em duas relações.</a:t>
             </a:r>
-            <a:endParaRPr lang="pt-BR" dirty="0"/>
           </a:p>
           <a:p>
             <a:pPr lvl="1" fontAlgn="base"/>
@@ -11258,7 +11277,7 @@
           <p:nvPr>
             <p:extLst>
               <p:ext uri="{D42A27DB-BD31-4B8C-83A1-F6EECF244321}">
-                <p14:modId xmlns:p14="http://schemas.microsoft.com/office/powerpoint/2010/main" val="1794438085"/>
+                <p14:modId xmlns:p14="http://schemas.microsoft.com/office/powerpoint/2010/main" val="4196942541"/>
               </p:ext>
             </p:extLst>
           </p:nvPr>
@@ -11298,10 +11317,10 @@
                     <a:lstStyle/>
                     <a:p>
                       <a:r>
-                        <a:rPr lang="pt-PT" dirty="0" err="1" smtClean="0"/>
+                        <a:rPr lang="pt-PT" u="sng" dirty="0" err="1" smtClean="0"/>
                         <a:t>nif_docente</a:t>
                       </a:r>
-                      <a:endParaRPr lang="it-IT" dirty="0"/>
+                      <a:endParaRPr lang="it-IT" u="sng" dirty="0"/>
                     </a:p>
                   </a:txBody>
                   <a:tcPr/>
@@ -11440,7 +11459,7 @@
           <p:nvPr>
             <p:extLst>
               <p:ext uri="{D42A27DB-BD31-4B8C-83A1-F6EECF244321}">
-                <p14:modId xmlns:p14="http://schemas.microsoft.com/office/powerpoint/2010/main" val="202880337"/>
+                <p14:modId xmlns:p14="http://schemas.microsoft.com/office/powerpoint/2010/main" val="3605150198"/>
               </p:ext>
             </p:extLst>
           </p:nvPr>
@@ -11466,24 +11485,24 @@
                     <a:lstStyle/>
                     <a:p>
                       <a:r>
+                        <a:rPr lang="pt-PT" u="none" dirty="0" err="1" smtClean="0"/>
+                        <a:t>codigo_disciplina</a:t>
+                      </a:r>
+                      <a:endParaRPr lang="it-IT" u="none" dirty="0"/>
+                    </a:p>
+                  </a:txBody>
+                  <a:tcPr/>
+                </a:tc>
+                <a:tc>
+                  <a:txBody>
+                    <a:bodyPr/>
+                    <a:lstStyle/>
+                    <a:p>
+                      <a:r>
                         <a:rPr lang="pt-PT" u="sng" dirty="0" err="1" smtClean="0"/>
-                        <a:t>codigo_disciplina</a:t>
+                        <a:t>nif_docente</a:t>
                       </a:r>
                       <a:endParaRPr lang="it-IT" u="sng" dirty="0"/>
-                    </a:p>
-                  </a:txBody>
-                  <a:tcPr/>
-                </a:tc>
-                <a:tc>
-                  <a:txBody>
-                    <a:bodyPr/>
-                    <a:lstStyle/>
-                    <a:p>
-                      <a:r>
-                        <a:rPr lang="pt-PT" dirty="0" err="1" smtClean="0"/>
-                        <a:t>nif_docente</a:t>
-                      </a:r>
-                      <a:endParaRPr lang="it-IT" dirty="0"/>
                     </a:p>
                   </a:txBody>
                   <a:tcPr/>
@@ -11719,14 +11738,12 @@
               <a:rPr lang="pt-BR" sz="2400" dirty="0"/>
               <a:t>Normalmente uma relação na FNBC também já se encontra na 4FN e 5FN, surgindo estas</a:t>
             </a:r>
-            <a:endParaRPr lang="pt-BR" sz="2400" dirty="0"/>
           </a:p>
           <a:p>
             <a:r>
               <a:rPr lang="pt-BR" sz="2400" dirty="0"/>
               <a:t>para resolver casos muito raros.</a:t>
             </a:r>
-            <a:endParaRPr lang="pt-BR" sz="2400" dirty="0"/>
           </a:p>
           <a:p>
             <a:r>
